--- a/Hickwall公司宣讲.pptx
+++ b/Hickwall公司宣讲.pptx
@@ -233,7 +233,7 @@
           <a:p>
             <a:fld id="{2FE170A0-CFBC-439A-9263-B9642F8984E8}" type="datetimeFigureOut">
               <a:rPr lang="zh-CN" altLang="en-US" smtClean="0"/>
-              <a:t>2017/2/22</a:t>
+              <a:t>17/9/7</a:t>
             </a:fld>
             <a:endParaRPr lang="zh-CN" altLang="en-US"/>
           </a:p>
@@ -398,7 +398,7 @@
           <a:p>
             <a:fld id="{EFB5B6FC-8267-42F8-AD39-EC9903397BE7}" type="datetimeFigureOut">
               <a:rPr lang="zh-CN" altLang="en-US" smtClean="0"/>
-              <a:t>2017/2/22</a:t>
+              <a:t>17/9/7</a:t>
             </a:fld>
             <a:endParaRPr lang="zh-CN" altLang="en-US"/>
           </a:p>
@@ -2266,11 +2266,7 @@
             </a:r>
             <a:r>
               <a:rPr lang="zh-CN" altLang="en-US" dirty="0" smtClean="0"/>
-              <a:t>）  </a:t>
-            </a:r>
-            <a:r>
-              <a:rPr lang="zh-CN" altLang="en-US" dirty="0" smtClean="0"/>
-              <a:t>    框架</a:t>
+              <a:t>）      框架</a:t>
             </a:r>
             <a:r>
               <a:rPr lang="en-US" altLang="zh-CN" dirty="0" smtClean="0"/>
@@ -2296,15 +2292,7 @@
             </a:r>
             <a:r>
               <a:rPr lang="en-US" altLang="zh-CN" dirty="0" smtClean="0"/>
-              <a:t>	</a:t>
-            </a:r>
-            <a:r>
-              <a:rPr lang="en-US" altLang="zh-CN" smtClean="0"/>
-              <a:t>     </a:t>
-            </a:r>
-            <a:r>
-              <a:rPr lang="en-US" altLang="zh-CN" smtClean="0"/>
-              <a:t>     </a:t>
+              <a:t>	          </a:t>
             </a:r>
             <a:r>
               <a:rPr lang="en-US" altLang="zh-CN" dirty="0" err="1"/>
@@ -6621,7 +6609,7 @@
         <a:sysClr val="windowText" lastClr="000000"/>
       </a:dk1>
       <a:lt1>
-        <a:sysClr val="window" lastClr="CCE8CF"/>
+        <a:sysClr val="window" lastClr="FFFFFF"/>
       </a:lt1>
       <a:dk2>
         <a:srgbClr val="1F497D"/>
@@ -6909,7 +6897,7 @@
         <a:sysClr val="windowText" lastClr="000000"/>
       </a:dk1>
       <a:lt1>
-        <a:sysClr val="window" lastClr="CCE8CF"/>
+        <a:sysClr val="window" lastClr="FFFFFF"/>
       </a:lt1>
       <a:dk2>
         <a:srgbClr val="1F497D"/>
